--- a/HHS Data Science Capstone Project Description 26June2018.pptx
+++ b/HHS Data Science Capstone Project Description 26June2018.pptx
@@ -7145,8 +7145,12 @@
           <a:lstStyle/>
           <a:p>
             <a:r>
+              <a:rPr lang="en-US" b="1" u="sng" dirty="0"/>
+              <a:t>Timeline</a:t>
+            </a:r>
+            <a:r>
               <a:rPr lang="en-US" dirty="0"/>
-              <a:t>Timeline:</a:t>
+              <a:t>:</a:t>
             </a:r>
           </a:p>
         </p:txBody>
@@ -7166,13 +7170,13 @@
           <p:nvPr>
             <p:extLst>
               <p:ext uri="{D42A27DB-BD31-4B8C-83A1-F6EECF244321}">
-                <p14:modId xmlns:p14="http://schemas.microsoft.com/office/powerpoint/2010/main" val="4267306751"/>
+                <p14:modId xmlns:p14="http://schemas.microsoft.com/office/powerpoint/2010/main" val="2208687829"/>
               </p:ext>
             </p:extLst>
           </p:nvPr>
         </p:nvGraphicFramePr>
         <p:xfrm>
-          <a:off x="1043711" y="1956955"/>
+          <a:off x="670850" y="1992467"/>
           <a:ext cx="9449703" cy="2225040"/>
         </p:xfrm>
         <a:graphic>
@@ -7189,7 +7193,7 @@
                     </a:ext>
                   </a:extLst>
                 </a:gridCol>
-                <a:gridCol w="499671">
+                <a:gridCol w="499672">
                   <a:extLst>
                     <a:ext uri="{9D8B030D-6E8A-4147-A177-3AD203B41FA5}">
                       <a16:colId xmlns:a16="http://schemas.microsoft.com/office/drawing/2014/main" val="3180797198"/>
@@ -7238,7 +7242,7 @@
                     </a:ext>
                   </a:extLst>
                 </a:gridCol>
-                <a:gridCol w="646545">
+                <a:gridCol w="646544">
                   <a:extLst>
                     <a:ext uri="{9D8B030D-6E8A-4147-A177-3AD203B41FA5}">
                       <a16:colId xmlns:a16="http://schemas.microsoft.com/office/drawing/2014/main" val="1846726902"/>
@@ -8122,7 +8126,7 @@
         </p:nvSpPr>
         <p:spPr>
           <a:xfrm>
-            <a:off x="5551055" y="2687782"/>
+            <a:off x="5178194" y="2723294"/>
             <a:ext cx="286327" cy="378691"/>
           </a:xfrm>
           <a:prstGeom prst="rect">
@@ -8174,7 +8178,7 @@
         </p:nvSpPr>
         <p:spPr>
           <a:xfrm>
-            <a:off x="5837381" y="3066473"/>
+            <a:off x="5464520" y="3101985"/>
             <a:ext cx="1365278" cy="378691"/>
           </a:xfrm>
           <a:prstGeom prst="rect">
@@ -8226,8 +8230,8 @@
         </p:nvSpPr>
         <p:spPr>
           <a:xfrm>
-            <a:off x="7202659" y="3445164"/>
-            <a:ext cx="2135305" cy="378691"/>
+            <a:off x="6829798" y="3480676"/>
+            <a:ext cx="4356067" cy="378691"/>
           </a:xfrm>
           <a:prstGeom prst="rect">
             <a:avLst/>
@@ -8281,8 +8285,8 @@
         </p:nvSpPr>
         <p:spPr>
           <a:xfrm>
-            <a:off x="9337965" y="3814619"/>
-            <a:ext cx="1155449" cy="378691"/>
+            <a:off x="8965104" y="3850131"/>
+            <a:ext cx="2220761" cy="378691"/>
           </a:xfrm>
           <a:prstGeom prst="rect">
             <a:avLst/>
@@ -8331,13 +8335,15 @@
               </a:ext>
             </a:extLst>
           </p:cNvPr>
-          <p:cNvCxnSpPr/>
+          <p:cNvCxnSpPr>
+            <a:cxnSpLocks/>
+          </p:cNvCxnSpPr>
           <p:nvPr/>
         </p:nvCxnSpPr>
         <p:spPr>
           <a:xfrm flipH="1">
-            <a:off x="1145309" y="2327564"/>
-            <a:ext cx="9348105" cy="0"/>
+            <a:off x="772449" y="2363076"/>
+            <a:ext cx="10413416" cy="0"/>
           </a:xfrm>
           <a:prstGeom prst="line">
             <a:avLst/>
@@ -8372,13 +8378,15 @@
               </a:ext>
             </a:extLst>
           </p:cNvPr>
-          <p:cNvCxnSpPr/>
+          <p:cNvCxnSpPr>
+            <a:cxnSpLocks/>
+          </p:cNvCxnSpPr>
           <p:nvPr/>
         </p:nvCxnSpPr>
         <p:spPr>
           <a:xfrm flipH="1">
-            <a:off x="1140692" y="4197924"/>
-            <a:ext cx="9348105" cy="0"/>
+            <a:off x="767832" y="4233436"/>
+            <a:ext cx="10418033" cy="0"/>
           </a:xfrm>
           <a:prstGeom prst="line">
             <a:avLst/>
@@ -8420,7 +8428,7 @@
         </p:nvCxnSpPr>
         <p:spPr>
           <a:xfrm flipH="1">
-            <a:off x="1156257" y="3066473"/>
+            <a:off x="783396" y="3101985"/>
             <a:ext cx="2754144" cy="0"/>
           </a:xfrm>
           <a:prstGeom prst="line">
@@ -8463,7 +8471,7 @@
         </p:nvCxnSpPr>
         <p:spPr>
           <a:xfrm flipH="1" flipV="1">
-            <a:off x="1143258" y="3440406"/>
+            <a:off x="770397" y="3475918"/>
             <a:ext cx="2767143" cy="4758"/>
           </a:xfrm>
           <a:prstGeom prst="line">
@@ -8506,7 +8514,7 @@
         </p:nvCxnSpPr>
         <p:spPr>
           <a:xfrm flipH="1">
-            <a:off x="1140910" y="3823855"/>
+            <a:off x="768049" y="3859367"/>
             <a:ext cx="2769491" cy="8103"/>
           </a:xfrm>
           <a:prstGeom prst="line">
@@ -8547,7 +8555,7 @@
         </p:nvSpPr>
         <p:spPr>
           <a:xfrm>
-            <a:off x="6489577" y="3066473"/>
+            <a:off x="6116716" y="3101985"/>
             <a:ext cx="713082" cy="378691"/>
           </a:xfrm>
           <a:prstGeom prst="rect">
@@ -8588,6 +8596,89 @@
           </a:p>
         </p:txBody>
       </p:sp>
+      <p:sp>
+        <p:nvSpPr>
+          <p:cNvPr id="9" name="TextBox 8">
+            <a:extLst>
+              <a:ext uri="{FF2B5EF4-FFF2-40B4-BE49-F238E27FC236}">
+                <a16:creationId xmlns:a16="http://schemas.microsoft.com/office/drawing/2014/main" id="{FD167BFF-E5C3-47D0-8B37-35334EC0CE21}"/>
+              </a:ext>
+            </a:extLst>
+          </p:cNvPr>
+          <p:cNvSpPr txBox="1"/>
+          <p:nvPr/>
+        </p:nvSpPr>
+        <p:spPr>
+          <a:xfrm>
+            <a:off x="10120544" y="1978579"/>
+            <a:ext cx="1065322" cy="370609"/>
+          </a:xfrm>
+          <a:prstGeom prst="rect">
+            <a:avLst/>
+          </a:prstGeom>
+          <a:solidFill>
+            <a:schemeClr val="accent1">
+              <a:lumMod val="20000"/>
+              <a:lumOff val="80000"/>
+            </a:schemeClr>
+          </a:solidFill>
+        </p:spPr>
+        <p:txBody>
+          <a:bodyPr wrap="square" rtlCol="0">
+            <a:spAutoFit/>
+          </a:bodyPr>
+          <a:lstStyle/>
+          <a:p>
+            <a:pPr algn="ctr"/>
+            <a:r>
+              <a:rPr lang="en-US" dirty="0"/>
+              <a:t>Infinity</a:t>
+            </a:r>
+          </a:p>
+        </p:txBody>
+      </p:sp>
+      <p:cxnSp>
+        <p:nvCxnSpPr>
+          <p:cNvPr id="19" name="Straight Connector 18">
+            <a:extLst>
+              <a:ext uri="{FF2B5EF4-FFF2-40B4-BE49-F238E27FC236}">
+                <a16:creationId xmlns:a16="http://schemas.microsoft.com/office/drawing/2014/main" id="{F97D7535-BA55-4EA3-B7E0-7F3BA60918A1}"/>
+              </a:ext>
+            </a:extLst>
+          </p:cNvPr>
+          <p:cNvCxnSpPr/>
+          <p:nvPr/>
+        </p:nvCxnSpPr>
+        <p:spPr>
+          <a:xfrm>
+            <a:off x="10120544" y="1992467"/>
+            <a:ext cx="0" cy="2236355"/>
+          </a:xfrm>
+          <a:prstGeom prst="line">
+            <a:avLst/>
+          </a:prstGeom>
+          <a:ln>
+            <a:solidFill>
+              <a:schemeClr val="tx1"/>
+            </a:solidFill>
+            <a:prstDash val="dash"/>
+          </a:ln>
+        </p:spPr>
+        <p:style>
+          <a:lnRef idx="1">
+            <a:schemeClr val="accent1"/>
+          </a:lnRef>
+          <a:fillRef idx="0">
+            <a:schemeClr val="accent1"/>
+          </a:fillRef>
+          <a:effectRef idx="0">
+            <a:schemeClr val="accent1"/>
+          </a:effectRef>
+          <a:fontRef idx="minor">
+            <a:schemeClr val="tx1"/>
+          </a:fontRef>
+        </p:style>
+      </p:cxnSp>
     </p:spTree>
     <p:extLst>
       <p:ext uri="{BB962C8B-B14F-4D97-AF65-F5344CB8AC3E}">

--- a/HHS Data Science Capstone Project Description 26June2018.pptx
+++ b/HHS Data Science Capstone Project Description 26June2018.pptx
@@ -116,10 +116,6 @@
     </p:ext>
   </p:extLst>
 </p:presentation>
-</file>
-
-<file path=ppt/revisionInfo.xml><?xml version="1.0" encoding="utf-8"?>
-<p1510:revInfo xmlns:a="http://schemas.openxmlformats.org/drawingml/2006/main" xmlns:r="http://schemas.openxmlformats.org/officeDocument/2006/relationships" xmlns:p1510="http://schemas.microsoft.com/office/powerpoint/2015/10/main"/>
 </file>
 
 <file path=ppt/charts/chart1.xml><?xml version="1.0" encoding="utf-8"?>
@@ -4764,8 +4760,8 @@
         </p:nvSpPr>
         <p:spPr>
           <a:xfrm>
-            <a:off x="5713252" y="3865278"/>
-            <a:ext cx="847288" cy="369332"/>
+            <a:off x="5264459" y="3865278"/>
+            <a:ext cx="1748900" cy="369332"/>
           </a:xfrm>
           <a:prstGeom prst="rect">
             <a:avLst/>
@@ -4780,7 +4776,7 @@
           <a:p>
             <a:r>
               <a:rPr lang="en-US" dirty="0"/>
-              <a:t>Model</a:t>
+              <a:t>Model Building</a:t>
             </a:r>
           </a:p>
         </p:txBody>
@@ -5074,8 +5070,8 @@
         </p:nvSpPr>
         <p:spPr>
           <a:xfrm>
-            <a:off x="5450710" y="4783936"/>
-            <a:ext cx="847288" cy="369332"/>
+            <a:off x="5149842" y="4783936"/>
+            <a:ext cx="1666438" cy="369332"/>
           </a:xfrm>
           <a:prstGeom prst="rect">
             <a:avLst/>
@@ -5090,7 +5086,7 @@
           <a:p>
             <a:r>
               <a:rPr lang="en-US" dirty="0"/>
-              <a:t>Model</a:t>
+              <a:t>Model Building</a:t>
             </a:r>
           </a:p>
         </p:txBody>

--- a/HHS Data Science Capstone Project Description 26June2018.pptx
+++ b/HHS Data Science Capstone Project Description 26June2018.pptx
@@ -116,6 +116,10 @@
     </p:ext>
   </p:extLst>
 </p:presentation>
+</file>
+
+<file path=ppt/revisionInfo.xml><?xml version="1.0" encoding="utf-8"?>
+<p1510:revInfo xmlns:a="http://schemas.openxmlformats.org/drawingml/2006/main" xmlns:r="http://schemas.openxmlformats.org/officeDocument/2006/relationships" xmlns:p1510="http://schemas.microsoft.com/office/powerpoint/2015/10/main"/>
 </file>
 
 <file path=ppt/charts/chart1.xml><?xml version="1.0" encoding="utf-8"?>
@@ -8628,7 +8632,7 @@
             <a:pPr algn="ctr"/>
             <a:r>
               <a:rPr lang="en-US" dirty="0"/>
-              <a:t>Infinity</a:t>
+              <a:t>On going</a:t>
             </a:r>
           </a:p>
         </p:txBody>
@@ -8658,6 +8662,83 @@
               <a:schemeClr val="tx1"/>
             </a:solidFill>
             <a:prstDash val="dash"/>
+          </a:ln>
+        </p:spPr>
+        <p:style>
+          <a:lnRef idx="1">
+            <a:schemeClr val="accent1"/>
+          </a:lnRef>
+          <a:fillRef idx="0">
+            <a:schemeClr val="accent1"/>
+          </a:fillRef>
+          <a:effectRef idx="0">
+            <a:schemeClr val="accent1"/>
+          </a:effectRef>
+          <a:fontRef idx="minor">
+            <a:schemeClr val="tx1"/>
+          </a:fontRef>
+        </p:style>
+      </p:cxnSp>
+      <p:sp>
+        <p:nvSpPr>
+          <p:cNvPr id="13" name="TextBox 12">
+            <a:extLst>
+              <a:ext uri="{FF2B5EF4-FFF2-40B4-BE49-F238E27FC236}">
+                <a16:creationId xmlns:a16="http://schemas.microsoft.com/office/drawing/2014/main" id="{FBA9FBBD-92C0-4ED8-8272-3FC52DA316DF}"/>
+              </a:ext>
+            </a:extLst>
+          </p:cNvPr>
+          <p:cNvSpPr txBox="1"/>
+          <p:nvPr/>
+        </p:nvSpPr>
+        <p:spPr>
+          <a:xfrm>
+            <a:off x="8367204" y="4900474"/>
+            <a:ext cx="3506680" cy="646331"/>
+          </a:xfrm>
+          <a:prstGeom prst="rect">
+            <a:avLst/>
+          </a:prstGeom>
+          <a:noFill/>
+        </p:spPr>
+        <p:txBody>
+          <a:bodyPr wrap="square" rtlCol="0">
+            <a:spAutoFit/>
+          </a:bodyPr>
+          <a:lstStyle/>
+          <a:p>
+            <a:r>
+              <a:rPr lang="en-US" dirty="0"/>
+              <a:t>Start applying the approach to food ingredients in the internal database</a:t>
+            </a:r>
+          </a:p>
+        </p:txBody>
+      </p:sp>
+      <p:cxnSp>
+        <p:nvCxnSpPr>
+          <p:cNvPr id="17" name="Straight Arrow Connector 16">
+            <a:extLst>
+              <a:ext uri="{FF2B5EF4-FFF2-40B4-BE49-F238E27FC236}">
+                <a16:creationId xmlns:a16="http://schemas.microsoft.com/office/drawing/2014/main" id="{86AC2417-950C-4637-9538-8797539EA7DC}"/>
+              </a:ext>
+            </a:extLst>
+          </p:cNvPr>
+          <p:cNvCxnSpPr/>
+          <p:nvPr/>
+        </p:nvCxnSpPr>
+        <p:spPr>
+          <a:xfrm flipV="1">
+            <a:off x="10120544" y="4350058"/>
+            <a:ext cx="0" cy="471498"/>
+          </a:xfrm>
+          <a:prstGeom prst="straightConnector1">
+            <a:avLst/>
+          </a:prstGeom>
+          <a:ln w="28575">
+            <a:solidFill>
+              <a:schemeClr val="tx1"/>
+            </a:solidFill>
+            <a:tailEnd type="triangle"/>
           </a:ln>
         </p:spPr>
         <p:style>
